--- a/四川食材影响因素的分析研究.pptx
+++ b/四川食材影响因素的分析研究.pptx
@@ -14,9 +14,9 @@
     <p:sldId id="256" r:id="rId5"/>
     <p:sldId id="262" r:id="rId6"/>
     <p:sldId id="265" r:id="rId7"/>
-    <p:sldId id="263" r:id="rId8"/>
-    <p:sldId id="259" r:id="rId9"/>
-    <p:sldId id="260" r:id="rId10"/>
+    <p:sldId id="260" r:id="rId8"/>
+    <p:sldId id="263" r:id="rId9"/>
+    <p:sldId id="259" r:id="rId10"/>
     <p:sldId id="264" r:id="rId11"/>
     <p:sldId id="261" r:id="rId12"/>
   </p:sldIdLst>
@@ -3244,7 +3244,7 @@
                 <a:latin typeface="Microsoft YaHei UI" panose="020B0503020204020204" pitchFamily="34" charset="-122"/>
                 <a:ea typeface="Microsoft YaHei UI" panose="020B0503020204020204" pitchFamily="34" charset="-122"/>
               </a:rPr>
-              <a:t>2022/10/7</a:t>
+              <a:t>2022/10/8</a:t>
             </a:fld>
             <a:endParaRPr lang="zh-CN" altLang="en-US">
               <a:latin typeface="Microsoft YaHei UI" panose="020B0503020204020204" pitchFamily="34" charset="-122"/>
@@ -3429,7 +3429,7 @@
             <a:fld id="{E31F83BA-8BB0-4528-8C08-1ACDBCE91FE7}" type="datetimeFigureOut">
               <a:rPr lang="zh-CN" altLang="en-US" smtClean="0"/>
               <a:pPr/>
-              <a:t>2022/10/7</a:t>
+              <a:t>2022/10/8</a:t>
             </a:fld>
             <a:endParaRPr lang="zh-CN" altLang="en-US"/>
           </a:p>
@@ -3961,7 +3961,7 @@
                 <a:latin typeface="Microsoft YaHei UI" panose="020B0503020204020204" pitchFamily="34" charset="-122"/>
                 <a:ea typeface="Microsoft YaHei UI" panose="020B0503020204020204" pitchFamily="34" charset="-122"/>
               </a:rPr>
-              <a:t>5</a:t>
+              <a:t>4</a:t>
             </a:fld>
             <a:endParaRPr lang="zh-CN" altLang="en-US">
               <a:latin typeface="Microsoft YaHei UI" panose="020B0503020204020204" pitchFamily="34" charset="-122"/>
@@ -3973,7 +3973,7 @@
     </p:spTree>
     <p:extLst>
       <p:ext uri="{BB962C8B-B14F-4D97-AF65-F5344CB8AC3E}">
-        <p14:creationId xmlns:p14="http://schemas.microsoft.com/office/powerpoint/2010/main" val="4075345445"/>
+        <p14:creationId xmlns:p14="http://schemas.microsoft.com/office/powerpoint/2010/main" val="4207915243"/>
       </p:ext>
     </p:extLst>
   </p:cSld>
@@ -4066,7 +4066,7 @@
     </p:spTree>
     <p:extLst>
       <p:ext uri="{BB962C8B-B14F-4D97-AF65-F5344CB8AC3E}">
-        <p14:creationId xmlns:p14="http://schemas.microsoft.com/office/powerpoint/2010/main" val="4207915243"/>
+        <p14:creationId xmlns:p14="http://schemas.microsoft.com/office/powerpoint/2010/main" val="4075345445"/>
       </p:ext>
     </p:extLst>
   </p:cSld>
@@ -4396,7 +4396,7 @@
             <a:pPr rtl="0"/>
             <a:fld id="{99C73CA2-85F9-4EC4-BD25-9233C1475FD3}" type="datetime1">
               <a:rPr lang="zh-CN" altLang="en-US" smtClean="0"/>
-              <a:t>2022/10/7</a:t>
+              <a:t>2022/10/8</a:t>
             </a:fld>
             <a:endParaRPr lang="en-US" dirty="0"/>
           </a:p>
@@ -4571,7 +4571,7 @@
             <a:pPr rtl="0"/>
             <a:fld id="{86B5A108-9649-4D7B-9EEC-96AFC2E8598E}" type="datetime1">
               <a:rPr lang="zh-CN" altLang="en-US" smtClean="0"/>
-              <a:t>2022/10/7</a:t>
+              <a:t>2022/10/8</a:t>
             </a:fld>
             <a:endParaRPr lang="en-US" dirty="0"/>
           </a:p>
@@ -4756,7 +4756,7 @@
             <a:pPr rtl="0"/>
             <a:fld id="{2C76457B-912F-4315-A5CF-5B4FF9D2F049}" type="datetime1">
               <a:rPr lang="zh-CN" altLang="en-US" smtClean="0"/>
-              <a:t>2022/10/7</a:t>
+              <a:t>2022/10/8</a:t>
             </a:fld>
             <a:endParaRPr lang="en-US" dirty="0"/>
           </a:p>
@@ -4931,7 +4931,7 @@
             <a:pPr rtl="0"/>
             <a:fld id="{24C012DA-7E69-48F4-AE4C-82C5B1729FAB}" type="datetime1">
               <a:rPr lang="zh-CN" altLang="en-US" smtClean="0"/>
-              <a:t>2022/10/7</a:t>
+              <a:t>2022/10/8</a:t>
             </a:fld>
             <a:endParaRPr lang="en-US" dirty="0"/>
           </a:p>
@@ -5190,7 +5190,7 @@
             <a:pPr rtl="0"/>
             <a:fld id="{1001C031-37E5-4431-A503-44E7A8755E5C}" type="datetime1">
               <a:rPr lang="zh-CN" altLang="en-US" smtClean="0"/>
-              <a:t>2022/10/7</a:t>
+              <a:t>2022/10/8</a:t>
             </a:fld>
             <a:endParaRPr lang="en-US" dirty="0"/>
           </a:p>
@@ -5483,7 +5483,7 @@
             <a:pPr rtl="0"/>
             <a:fld id="{1FE452B9-1A76-480E-84EB-5E3B162FEA10}" type="datetime1">
               <a:rPr lang="zh-CN" altLang="en-US" smtClean="0"/>
-              <a:t>2022/10/7</a:t>
+              <a:t>2022/10/8</a:t>
             </a:fld>
             <a:endParaRPr lang="en-US" dirty="0"/>
           </a:p>
@@ -5930,7 +5930,7 @@
             <a:pPr rtl="0"/>
             <a:fld id="{120C5A1B-F6C6-4751-B26B-8C2493FA7425}" type="datetime1">
               <a:rPr lang="zh-CN" altLang="en-US" smtClean="0"/>
-              <a:t>2022/10/7</a:t>
+              <a:t>2022/10/8</a:t>
             </a:fld>
             <a:endParaRPr lang="en-US" dirty="0"/>
           </a:p>
@@ -6053,7 +6053,7 @@
             <a:pPr rtl="0"/>
             <a:fld id="{CE04378E-7FCD-4CC1-9FE0-4EAEEEA6F7E0}" type="datetime1">
               <a:rPr lang="zh-CN" altLang="en-US" smtClean="0"/>
-              <a:t>2022/10/7</a:t>
+              <a:t>2022/10/8</a:t>
             </a:fld>
             <a:endParaRPr lang="en-US" dirty="0"/>
           </a:p>
@@ -6152,7 +6152,7 @@
             <a:pPr rtl="0"/>
             <a:fld id="{FD0581B3-2625-452C-93E9-F52A1604A05F}" type="datetime1">
               <a:rPr lang="zh-CN" altLang="en-US" smtClean="0"/>
-              <a:t>2022/10/7</a:t>
+              <a:t>2022/10/8</a:t>
             </a:fld>
             <a:endParaRPr lang="en-US" dirty="0"/>
           </a:p>
@@ -6445,7 +6445,7 @@
             <a:pPr rtl="0"/>
             <a:fld id="{6F7DCF19-1E4B-4BB8-8B65-3B4BDC88E950}" type="datetime1">
               <a:rPr lang="zh-CN" altLang="en-US" smtClean="0"/>
-              <a:t>2022/10/7</a:t>
+              <a:t>2022/10/8</a:t>
             </a:fld>
             <a:endParaRPr lang="en-US" dirty="0"/>
           </a:p>
@@ -7023,7 +7023,7 @@
             <a:pPr rtl="0"/>
             <a:fld id="{9474ED91-1F96-4378-A45F-DB296FE2001C}" type="datetime1">
               <a:rPr lang="zh-CN" altLang="en-US" smtClean="0"/>
-              <a:t>2022/10/7</a:t>
+              <a:t>2022/10/8</a:t>
             </a:fld>
             <a:endParaRPr lang="en-US" dirty="0"/>
           </a:p>
@@ -7327,7 +7327,7 @@
             <a:fld id="{EFB4F74E-667C-40F0-9D62-79F1FBC44D0C}" type="datetime1">
               <a:rPr lang="zh-CN" altLang="en-US" smtClean="0"/>
               <a:pPr/>
-              <a:t>2022/10/7</a:t>
+              <a:t>2022/10/8</a:t>
             </a:fld>
             <a:endParaRPr lang="en-US" dirty="0"/>
           </a:p>
@@ -7831,7 +7831,7 @@
                 <a16:creationId xmlns:a16="http://schemas.microsoft.com/office/drawing/2014/main" id="{8869841E-71E7-4F51-8E6F-5E8A5E375653}"/>
               </a:ext>
               <a:ext uri="{C183D7F6-B498-43B3-948B-1728B52AA6E4}">
-                <adec:decorative xmlns="" xmlns:adec="http://schemas.microsoft.com/office/drawing/2017/decorative" val="1"/>
+                <adec:decorative xmlns:adec="http://schemas.microsoft.com/office/drawing/2017/decorative" xmlns="" val="1"/>
               </a:ext>
             </a:extLst>
           </p:cNvPr>
@@ -7929,7 +7929,7 @@
                 <a16:creationId xmlns:a16="http://schemas.microsoft.com/office/drawing/2014/main" id="{594B067E-A161-4B29-A8FA-FEEB1944952A}"/>
               </a:ext>
               <a:ext uri="{C183D7F6-B498-43B3-948B-1728B52AA6E4}">
-                <adec:decorative xmlns="" xmlns:adec="http://schemas.microsoft.com/office/drawing/2017/decorative" val="1"/>
+                <adec:decorative xmlns:adec="http://schemas.microsoft.com/office/drawing/2017/decorative" xmlns="" val="1"/>
               </a:ext>
             </a:extLst>
           </p:cNvPr>
@@ -8019,7 +8019,7 @@
                 <a16:creationId xmlns:a16="http://schemas.microsoft.com/office/drawing/2014/main" id="{C20C741F-0826-4AB6-A92E-AB4EB5021663}"/>
               </a:ext>
               <a:ext uri="{C183D7F6-B498-43B3-948B-1728B52AA6E4}">
-                <adec:decorative xmlns="" xmlns:adec="http://schemas.microsoft.com/office/drawing/2017/decorative" val="1"/>
+                <adec:decorative xmlns:adec="http://schemas.microsoft.com/office/drawing/2017/decorative" xmlns="" val="1"/>
               </a:ext>
             </a:extLst>
           </p:cNvPr>
@@ -8161,7 +8161,7 @@
                 <a16:creationId xmlns:a16="http://schemas.microsoft.com/office/drawing/2014/main" id="{DA178560-78C9-4CB5-BE46-05302CDA8E98}"/>
               </a:ext>
               <a:ext uri="{C183D7F6-B498-43B3-948B-1728B52AA6E4}">
-                <adec:decorative xmlns="" xmlns:adec="http://schemas.microsoft.com/office/drawing/2017/decorative" val="1"/>
+                <adec:decorative xmlns:adec="http://schemas.microsoft.com/office/drawing/2017/decorative" xmlns="" val="1"/>
               </a:ext>
             </a:extLst>
           </p:cNvPr>
@@ -8253,7 +8253,7 @@
                 <a16:creationId xmlns:a16="http://schemas.microsoft.com/office/drawing/2014/main" id="{69461EC9-A94F-4225-B526-5C862F340FB6}"/>
               </a:ext>
               <a:ext uri="{C183D7F6-B498-43B3-948B-1728B52AA6E4}">
-                <adec:decorative xmlns="" xmlns:adec="http://schemas.microsoft.com/office/drawing/2017/decorative" val="1"/>
+                <adec:decorative xmlns:adec="http://schemas.microsoft.com/office/drawing/2017/decorative" xmlns="" val="1"/>
               </a:ext>
             </a:extLst>
           </p:cNvPr>
@@ -8345,7 +8345,7 @@
                 <a16:creationId xmlns:a16="http://schemas.microsoft.com/office/drawing/2014/main" id="{D87160F7-FCB2-48B7-8BB8-BEFF45F6BF18}"/>
               </a:ext>
               <a:ext uri="{C183D7F6-B498-43B3-948B-1728B52AA6E4}">
-                <adec:decorative xmlns="" xmlns:adec="http://schemas.microsoft.com/office/drawing/2017/decorative" val="1"/>
+                <adec:decorative xmlns:adec="http://schemas.microsoft.com/office/drawing/2017/decorative" xmlns="" val="1"/>
               </a:ext>
             </a:extLst>
           </p:cNvPr>
@@ -8402,7 +8402,7 @@
                 <a16:creationId xmlns:a16="http://schemas.microsoft.com/office/drawing/2014/main" id="{E9282B84-621E-4580-80B7-222118AE446D}"/>
               </a:ext>
               <a:ext uri="{C183D7F6-B498-43B3-948B-1728B52AA6E4}">
-                <adec:decorative xmlns="" xmlns:adec="http://schemas.microsoft.com/office/drawing/2017/decorative" val="1"/>
+                <adec:decorative xmlns:adec="http://schemas.microsoft.com/office/drawing/2017/decorative" xmlns="" val="1"/>
               </a:ext>
             </a:extLst>
           </p:cNvPr>
@@ -8679,95 +8679,6 @@
 <file path=ppt/slides/slide4.xml><?xml version="1.0" encoding="utf-8"?>
 <p:sld xmlns:a="http://schemas.openxmlformats.org/drawingml/2006/main" xmlns:r="http://schemas.openxmlformats.org/officeDocument/2006/relationships" xmlns:p="http://schemas.openxmlformats.org/presentationml/2006/main">
   <p:cSld>
-    <p:spTree>
-      <p:nvGrpSpPr>
-        <p:cNvPr id="1" name=""/>
-        <p:cNvGrpSpPr/>
-        <p:nvPr/>
-      </p:nvGrpSpPr>
-      <p:grpSpPr>
-        <a:xfrm>
-          <a:off x="0" y="0"/>
-          <a:ext cx="0" cy="0"/>
-          <a:chOff x="0" y="0"/>
-          <a:chExt cx="0" cy="0"/>
-        </a:xfrm>
-      </p:grpSpPr>
-      <p:sp>
-        <p:nvSpPr>
-          <p:cNvPr id="2" name="标题 1"/>
-          <p:cNvSpPr>
-            <a:spLocks noGrp="1"/>
-          </p:cNvSpPr>
-          <p:nvPr>
-            <p:ph type="title"/>
-          </p:nvPr>
-        </p:nvSpPr>
-        <p:spPr/>
-        <p:txBody>
-          <a:bodyPr/>
-          <a:lstStyle/>
-          <a:p>
-            <a:r>
-              <a:rPr lang="zh-CN" altLang="en-US" dirty="0" smtClean="0"/>
-              <a:t>数据图表展示</a:t>
-            </a:r>
-            <a:endParaRPr lang="zh-CN" altLang="en-US" dirty="0"/>
-          </a:p>
-        </p:txBody>
-      </p:sp>
-      <p:pic>
-        <p:nvPicPr>
-          <p:cNvPr id="4" name="内容占位符 3"/>
-          <p:cNvPicPr>
-            <a:picLocks noGrp="1" noChangeAspect="1"/>
-          </p:cNvPicPr>
-          <p:nvPr>
-            <p:ph idx="1"/>
-          </p:nvPr>
-        </p:nvPicPr>
-        <p:blipFill>
-          <a:blip r:embed="rId2">
-            <a:extLst>
-              <a:ext uri="{28A0092B-C50C-407E-A947-70E740481C1C}">
-                <a14:useLocalDpi xmlns:a14="http://schemas.microsoft.com/office/drawing/2010/main" val="0"/>
-              </a:ext>
-            </a:extLst>
-          </a:blip>
-          <a:stretch>
-            <a:fillRect/>
-          </a:stretch>
-        </p:blipFill>
-        <p:spPr>
-          <a:xfrm>
-            <a:off x="4117941" y="1123837"/>
-            <a:ext cx="7361296" cy="4907531"/>
-          </a:xfrm>
-        </p:spPr>
-      </p:pic>
-    </p:spTree>
-    <p:extLst>
-      <p:ext uri="{BB962C8B-B14F-4D97-AF65-F5344CB8AC3E}">
-        <p14:creationId xmlns:p14="http://schemas.microsoft.com/office/powerpoint/2010/main" val="357232348"/>
-      </p:ext>
-    </p:extLst>
-  </p:cSld>
-  <p:clrMapOvr>
-    <a:masterClrMapping/>
-  </p:clrMapOvr>
-  <p:timing>
-    <p:tnLst>
-      <p:par>
-        <p:cTn id="1" dur="indefinite" restart="never" nodeType="tmRoot"/>
-      </p:par>
-    </p:tnLst>
-  </p:timing>
-</p:sld>
-</file>
-
-<file path=ppt/slides/slide5.xml><?xml version="1.0" encoding="utf-8"?>
-<p:sld xmlns:a="http://schemas.openxmlformats.org/drawingml/2006/main" xmlns:r="http://schemas.openxmlformats.org/officeDocument/2006/relationships" xmlns:p="http://schemas.openxmlformats.org/presentationml/2006/main">
-  <p:cSld>
     <p:bg>
       <p:bgPr>
         <a:solidFill>
@@ -8790,301 +8701,6 @@
           <a:chExt cx="0" cy="0"/>
         </a:xfrm>
       </p:grpSpPr>
-      <p:sp useBgFill="1">
-        <p:nvSpPr>
-          <p:cNvPr id="13" name="矩形 12">
-            <a:extLst>
-              <a:ext uri="{FF2B5EF4-FFF2-40B4-BE49-F238E27FC236}">
-                <a16:creationId xmlns:a16="http://schemas.microsoft.com/office/drawing/2014/main" id="{0F9DE327-AEAE-44B2-8483-660A265AE3D5}"/>
-              </a:ext>
-              <a:ext uri="{C183D7F6-B498-43B3-948B-1728B52AA6E4}">
-                <adec:decorative xmlns="" xmlns:adec="http://schemas.microsoft.com/office/drawing/2017/decorative" val="1"/>
-              </a:ext>
-            </a:extLst>
-          </p:cNvPr>
-          <p:cNvSpPr>
-            <a:spLocks noGrp="1" noRot="1" noChangeAspect="1" noMove="1" noResize="1" noEditPoints="1" noAdjustHandles="1" noChangeArrowheads="1" noChangeShapeType="1" noTextEdit="1"/>
-          </p:cNvSpPr>
-          <p:nvPr>
-            <p:extLst>
-              <p:ext uri="{386F3935-93C4-4BCD-93E2-E3B085C9AB24}">
-                <p16:designElem xmlns:p16="http://schemas.microsoft.com/office/powerpoint/2015/main" val="1"/>
-              </p:ext>
-            </p:extLst>
-          </p:nvPr>
-        </p:nvSpPr>
-        <p:spPr>
-          <a:xfrm>
-            <a:off x="0" y="0"/>
-            <a:ext cx="12192000" cy="6858000"/>
-          </a:xfrm>
-          <a:prstGeom prst="rect">
-            <a:avLst/>
-          </a:prstGeom>
-          <a:ln>
-            <a:noFill/>
-          </a:ln>
-        </p:spPr>
-        <p:style>
-          <a:lnRef idx="2">
-            <a:schemeClr val="accent1">
-              <a:shade val="50000"/>
-            </a:schemeClr>
-          </a:lnRef>
-          <a:fillRef idx="1">
-            <a:schemeClr val="accent1"/>
-          </a:fillRef>
-          <a:effectRef idx="0">
-            <a:schemeClr val="accent1"/>
-          </a:effectRef>
-          <a:fontRef idx="minor">
-            <a:schemeClr val="lt1"/>
-          </a:fontRef>
-        </p:style>
-        <p:txBody>
-          <a:bodyPr rtlCol="0" anchor="ctr"/>
-          <a:lstStyle/>
-          <a:p>
-            <a:pPr algn="ctr" rtl="0"/>
-            <a:endParaRPr lang="zh-CN" altLang="en-US" dirty="0">
-              <a:latin typeface="Microsoft YaHei UI" panose="020B0503020204020204" pitchFamily="34" charset="-122"/>
-            </a:endParaRPr>
-          </a:p>
-        </p:txBody>
-      </p:sp>
-      <p:sp>
-        <p:nvSpPr>
-          <p:cNvPr id="15" name="矩形​​ 14">
-            <a:extLst>
-              <a:ext uri="{FF2B5EF4-FFF2-40B4-BE49-F238E27FC236}">
-                <a16:creationId xmlns:a16="http://schemas.microsoft.com/office/drawing/2014/main" id="{C1492CA2-7E37-4577-8E02-1E79AE7EED79}"/>
-              </a:ext>
-              <a:ext uri="{C183D7F6-B498-43B3-948B-1728B52AA6E4}">
-                <adec:decorative xmlns="" xmlns:adec="http://schemas.microsoft.com/office/drawing/2017/decorative" val="1"/>
-              </a:ext>
-            </a:extLst>
-          </p:cNvPr>
-          <p:cNvSpPr>
-            <a:spLocks noGrp="1" noRot="1" noChangeAspect="1" noMove="1" noResize="1" noEditPoints="1" noAdjustHandles="1" noChangeArrowheads="1" noChangeShapeType="1" noTextEdit="1"/>
-          </p:cNvSpPr>
-          <p:nvPr>
-            <p:extLst>
-              <p:ext uri="{386F3935-93C4-4BCD-93E2-E3B085C9AB24}">
-                <p16:designElem xmlns:p16="http://schemas.microsoft.com/office/powerpoint/2015/main" val="1"/>
-              </p:ext>
-            </p:extLst>
-          </p:nvPr>
-        </p:nvSpPr>
-        <p:spPr>
-          <a:xfrm>
-            <a:off x="8642856" y="757325"/>
-            <a:ext cx="3549144" cy="5329325"/>
-          </a:xfrm>
-          <a:prstGeom prst="rect">
-            <a:avLst/>
-          </a:prstGeom>
-          <a:solidFill>
-            <a:schemeClr val="accent1"/>
-          </a:solidFill>
-          <a:ln>
-            <a:noFill/>
-          </a:ln>
-        </p:spPr>
-        <p:style>
-          <a:lnRef idx="2">
-            <a:schemeClr val="accent1">
-              <a:shade val="50000"/>
-            </a:schemeClr>
-          </a:lnRef>
-          <a:fillRef idx="1">
-            <a:schemeClr val="accent1"/>
-          </a:fillRef>
-          <a:effectRef idx="0">
-            <a:schemeClr val="accent1"/>
-          </a:effectRef>
-          <a:fontRef idx="minor">
-            <a:schemeClr val="lt1"/>
-          </a:fontRef>
-        </p:style>
-        <p:txBody>
-          <a:bodyPr rtlCol="0" anchor="ctr"/>
-          <a:lstStyle/>
-          <a:p>
-            <a:pPr algn="ctr" rtl="0"/>
-            <a:endParaRPr lang="zh-CN" altLang="en-US" dirty="0">
-              <a:latin typeface="Microsoft YaHei UI" panose="020B0503020204020204" pitchFamily="34" charset="-122"/>
-            </a:endParaRPr>
-          </a:p>
-        </p:txBody>
-      </p:sp>
-      <p:sp>
-        <p:nvSpPr>
-          <p:cNvPr id="2" name="标题 1">
-            <a:extLst>
-              <a:ext uri="{FF2B5EF4-FFF2-40B4-BE49-F238E27FC236}">
-                <a16:creationId xmlns:a16="http://schemas.microsoft.com/office/drawing/2014/main" id="{72110722-2775-4A70-8182-7C215D42C9B2}"/>
-              </a:ext>
-            </a:extLst>
-          </p:cNvPr>
-          <p:cNvSpPr>
-            <a:spLocks noGrp="1"/>
-          </p:cNvSpPr>
-          <p:nvPr>
-            <p:ph type="title"/>
-          </p:nvPr>
-        </p:nvSpPr>
-        <p:spPr>
-          <a:xfrm>
-            <a:off x="8895775" y="1123837"/>
-            <a:ext cx="2947482" cy="4601183"/>
-          </a:xfrm>
-        </p:spPr>
-        <p:txBody>
-          <a:bodyPr rtlCol="0">
-            <a:normAutofit/>
-          </a:bodyPr>
-          <a:lstStyle/>
-          <a:p>
-            <a:pPr rtl="0"/>
-            <a:r>
-              <a:rPr lang="zh-CN" altLang="en-US" dirty="0" smtClean="0"/>
-              <a:t>数据图表展示</a:t>
-            </a:r>
-            <a:endParaRPr lang="zh-CN" altLang="en-US" dirty="0"/>
-          </a:p>
-        </p:txBody>
-      </p:sp>
-      <p:sp>
-        <p:nvSpPr>
-          <p:cNvPr id="17" name="矩形​​ 16">
-            <a:extLst>
-              <a:ext uri="{FF2B5EF4-FFF2-40B4-BE49-F238E27FC236}">
-                <a16:creationId xmlns:a16="http://schemas.microsoft.com/office/drawing/2014/main" id="{87ACB9FA-C8E8-43F1-868B-D328ECFC31EC}"/>
-              </a:ext>
-              <a:ext uri="{C183D7F6-B498-43B3-948B-1728B52AA6E4}">
-                <adec:decorative xmlns="" xmlns:adec="http://schemas.microsoft.com/office/drawing/2017/decorative" val="1"/>
-              </a:ext>
-            </a:extLst>
-          </p:cNvPr>
-          <p:cNvSpPr>
-            <a:spLocks noGrp="1" noRot="1" noChangeAspect="1" noMove="1" noResize="1" noEditPoints="1" noAdjustHandles="1" noChangeArrowheads="1" noChangeShapeType="1" noTextEdit="1"/>
-          </p:cNvSpPr>
-          <p:nvPr>
-            <p:extLst>
-              <p:ext uri="{386F3935-93C4-4BCD-93E2-E3B085C9AB24}">
-                <p16:designElem xmlns:p16="http://schemas.microsoft.com/office/powerpoint/2015/main" val="1"/>
-              </p:ext>
-            </p:extLst>
-          </p:nvPr>
-        </p:nvSpPr>
-        <p:spPr>
-          <a:xfrm>
-            <a:off x="0" y="758952"/>
-            <a:ext cx="384048" cy="5330952"/>
-          </a:xfrm>
-          <a:prstGeom prst="rect">
-            <a:avLst/>
-          </a:prstGeom>
-          <a:solidFill>
-            <a:srgbClr val="C8C8C8">
-              <a:alpha val="49804"/>
-            </a:srgbClr>
-          </a:solidFill>
-          <a:ln>
-            <a:noFill/>
-          </a:ln>
-        </p:spPr>
-        <p:style>
-          <a:lnRef idx="2">
-            <a:schemeClr val="accent1">
-              <a:shade val="50000"/>
-            </a:schemeClr>
-          </a:lnRef>
-          <a:fillRef idx="1">
-            <a:schemeClr val="accent1"/>
-          </a:fillRef>
-          <a:effectRef idx="0">
-            <a:schemeClr val="accent1"/>
-          </a:effectRef>
-          <a:fontRef idx="minor">
-            <a:schemeClr val="lt1"/>
-          </a:fontRef>
-        </p:style>
-      </p:sp>
-      <p:pic>
-        <p:nvPicPr>
-          <p:cNvPr id="7" name="内容占位符 6"/>
-          <p:cNvPicPr>
-            <a:picLocks noGrp="1" noChangeAspect="1"/>
-          </p:cNvPicPr>
-          <p:nvPr>
-            <p:ph idx="1"/>
-          </p:nvPr>
-        </p:nvPicPr>
-        <p:blipFill>
-          <a:blip r:embed="rId3">
-            <a:extLst>
-              <a:ext uri="{28A0092B-C50C-407E-A947-70E740481C1C}">
-                <a14:useLocalDpi xmlns:a14="http://schemas.microsoft.com/office/drawing/2010/main" val="0"/>
-              </a:ext>
-            </a:extLst>
-          </a:blip>
-          <a:stretch>
-            <a:fillRect/>
-          </a:stretch>
-        </p:blipFill>
-        <p:spPr>
-          <a:xfrm>
-            <a:off x="975162" y="1123837"/>
-            <a:ext cx="7444220" cy="4962813"/>
-          </a:xfrm>
-        </p:spPr>
-      </p:pic>
-    </p:spTree>
-    <p:extLst>
-      <p:ext uri="{BB962C8B-B14F-4D97-AF65-F5344CB8AC3E}">
-        <p14:creationId xmlns:p14="http://schemas.microsoft.com/office/powerpoint/2010/main" val="2552862203"/>
-      </p:ext>
-    </p:extLst>
-  </p:cSld>
-  <p:clrMapOvr>
-    <a:masterClrMapping/>
-  </p:clrMapOvr>
-  <p:timing>
-    <p:tnLst>
-      <p:par>
-        <p:cTn id="1" dur="indefinite" restart="never" nodeType="tmRoot"/>
-      </p:par>
-    </p:tnLst>
-  </p:timing>
-</p:sld>
-</file>
-
-<file path=ppt/slides/slide6.xml><?xml version="1.0" encoding="utf-8"?>
-<p:sld xmlns:a="http://schemas.openxmlformats.org/drawingml/2006/main" xmlns:r="http://schemas.openxmlformats.org/officeDocument/2006/relationships" xmlns:p="http://schemas.openxmlformats.org/presentationml/2006/main">
-  <p:cSld>
-    <p:bg>
-      <p:bgPr>
-        <a:solidFill>
-          <a:schemeClr val="bg1"/>
-        </a:solidFill>
-        <a:effectLst/>
-      </p:bgPr>
-    </p:bg>
-    <p:spTree>
-      <p:nvGrpSpPr>
-        <p:cNvPr id="1" name=""/>
-        <p:cNvGrpSpPr/>
-        <p:nvPr/>
-      </p:nvGrpSpPr>
-      <p:grpSpPr>
-        <a:xfrm>
-          <a:off x="0" y="0"/>
-          <a:ext cx="0" cy="0"/>
-          <a:chOff x="0" y="0"/>
-          <a:chExt cx="0" cy="0"/>
-        </a:xfrm>
-      </p:grpSpPr>
       <p:sp>
         <p:nvSpPr>
           <p:cNvPr id="13" name="矩形 10">
@@ -9093,7 +8709,7 @@
                 <a16:creationId xmlns:a16="http://schemas.microsoft.com/office/drawing/2014/main" id="{72AC46CB-E41C-431E-B498-6295C0C5E3F1}"/>
               </a:ext>
               <a:ext uri="{C183D7F6-B498-43B3-948B-1728B52AA6E4}">
-                <adec:decorative xmlns="" xmlns:adec="http://schemas.microsoft.com/office/drawing/2017/decorative" val="1"/>
+                <adec:decorative xmlns:adec="http://schemas.microsoft.com/office/drawing/2017/decorative" xmlns="" val="1"/>
               </a:ext>
             </a:extLst>
           </p:cNvPr>
@@ -9281,7 +8897,7 @@
           <a:graphicData uri="http://schemas.openxmlformats.org/presentationml/2006/ole">
             <mc:AlternateContent xmlns:mc="http://schemas.openxmlformats.org/markup-compatibility/2006">
               <mc:Choice xmlns:v="urn:schemas-microsoft-com:vml" Requires="v">
-                <p:oleObj spid="_x0000_s1031" name="工作表" r:id="rId10" imgW="3438507" imgH="914535" progId="Excel.Sheet.12">
+                <p:oleObj spid="_x0000_s1032" name="工作表" r:id="rId10" imgW="3438507" imgH="914535" progId="Excel.Sheet.12">
                   <p:embed/>
                 </p:oleObj>
               </mc:Choice>
@@ -9349,6 +8965,390 @@
 </p:sld>
 </file>
 
+<file path=ppt/slides/slide5.xml><?xml version="1.0" encoding="utf-8"?>
+<p:sld xmlns:a="http://schemas.openxmlformats.org/drawingml/2006/main" xmlns:r="http://schemas.openxmlformats.org/officeDocument/2006/relationships" xmlns:p="http://schemas.openxmlformats.org/presentationml/2006/main">
+  <p:cSld>
+    <p:spTree>
+      <p:nvGrpSpPr>
+        <p:cNvPr id="1" name=""/>
+        <p:cNvGrpSpPr/>
+        <p:nvPr/>
+      </p:nvGrpSpPr>
+      <p:grpSpPr>
+        <a:xfrm>
+          <a:off x="0" y="0"/>
+          <a:ext cx="0" cy="0"/>
+          <a:chOff x="0" y="0"/>
+          <a:chExt cx="0" cy="0"/>
+        </a:xfrm>
+      </p:grpSpPr>
+      <p:sp>
+        <p:nvSpPr>
+          <p:cNvPr id="2" name="标题 1"/>
+          <p:cNvSpPr>
+            <a:spLocks noGrp="1"/>
+          </p:cNvSpPr>
+          <p:nvPr>
+            <p:ph type="title"/>
+          </p:nvPr>
+        </p:nvSpPr>
+        <p:spPr/>
+        <p:txBody>
+          <a:bodyPr/>
+          <a:lstStyle/>
+          <a:p>
+            <a:r>
+              <a:rPr lang="zh-CN" altLang="en-US" dirty="0" smtClean="0"/>
+              <a:t>数据图表展示</a:t>
+            </a:r>
+            <a:endParaRPr lang="zh-CN" altLang="en-US" dirty="0"/>
+          </a:p>
+        </p:txBody>
+      </p:sp>
+      <p:pic>
+        <p:nvPicPr>
+          <p:cNvPr id="4" name="内容占位符 3"/>
+          <p:cNvPicPr>
+            <a:picLocks noGrp="1" noChangeAspect="1"/>
+          </p:cNvPicPr>
+          <p:nvPr>
+            <p:ph idx="1"/>
+          </p:nvPr>
+        </p:nvPicPr>
+        <p:blipFill>
+          <a:blip r:embed="rId2">
+            <a:extLst>
+              <a:ext uri="{28A0092B-C50C-407E-A947-70E740481C1C}">
+                <a14:useLocalDpi xmlns:a14="http://schemas.microsoft.com/office/drawing/2010/main" val="0"/>
+              </a:ext>
+            </a:extLst>
+          </a:blip>
+          <a:stretch>
+            <a:fillRect/>
+          </a:stretch>
+        </p:blipFill>
+        <p:spPr>
+          <a:xfrm>
+            <a:off x="4117941" y="1123837"/>
+            <a:ext cx="7361296" cy="4907531"/>
+          </a:xfrm>
+        </p:spPr>
+      </p:pic>
+    </p:spTree>
+    <p:extLst>
+      <p:ext uri="{BB962C8B-B14F-4D97-AF65-F5344CB8AC3E}">
+        <p14:creationId xmlns:p14="http://schemas.microsoft.com/office/powerpoint/2010/main" val="357232348"/>
+      </p:ext>
+    </p:extLst>
+  </p:cSld>
+  <p:clrMapOvr>
+    <a:masterClrMapping/>
+  </p:clrMapOvr>
+  <p:timing>
+    <p:tnLst>
+      <p:par>
+        <p:cTn id="1" dur="indefinite" restart="never" nodeType="tmRoot"/>
+      </p:par>
+    </p:tnLst>
+  </p:timing>
+</p:sld>
+</file>
+
+<file path=ppt/slides/slide6.xml><?xml version="1.0" encoding="utf-8"?>
+<p:sld xmlns:a="http://schemas.openxmlformats.org/drawingml/2006/main" xmlns:r="http://schemas.openxmlformats.org/officeDocument/2006/relationships" xmlns:p="http://schemas.openxmlformats.org/presentationml/2006/main">
+  <p:cSld>
+    <p:bg>
+      <p:bgPr>
+        <a:solidFill>
+          <a:schemeClr val="bg1"/>
+        </a:solidFill>
+        <a:effectLst/>
+      </p:bgPr>
+    </p:bg>
+    <p:spTree>
+      <p:nvGrpSpPr>
+        <p:cNvPr id="1" name=""/>
+        <p:cNvGrpSpPr/>
+        <p:nvPr/>
+      </p:nvGrpSpPr>
+      <p:grpSpPr>
+        <a:xfrm>
+          <a:off x="0" y="0"/>
+          <a:ext cx="0" cy="0"/>
+          <a:chOff x="0" y="0"/>
+          <a:chExt cx="0" cy="0"/>
+        </a:xfrm>
+      </p:grpSpPr>
+      <p:sp useBgFill="1">
+        <p:nvSpPr>
+          <p:cNvPr id="13" name="矩形 12">
+            <a:extLst>
+              <a:ext uri="{FF2B5EF4-FFF2-40B4-BE49-F238E27FC236}">
+                <a16:creationId xmlns:a16="http://schemas.microsoft.com/office/drawing/2014/main" id="{0F9DE327-AEAE-44B2-8483-660A265AE3D5}"/>
+              </a:ext>
+              <a:ext uri="{C183D7F6-B498-43B3-948B-1728B52AA6E4}">
+                <adec:decorative xmlns:adec="http://schemas.microsoft.com/office/drawing/2017/decorative" xmlns="" val="1"/>
+              </a:ext>
+            </a:extLst>
+          </p:cNvPr>
+          <p:cNvSpPr>
+            <a:spLocks noGrp="1" noRot="1" noChangeAspect="1" noMove="1" noResize="1" noEditPoints="1" noAdjustHandles="1" noChangeArrowheads="1" noChangeShapeType="1" noTextEdit="1"/>
+          </p:cNvSpPr>
+          <p:nvPr>
+            <p:extLst>
+              <p:ext uri="{386F3935-93C4-4BCD-93E2-E3B085C9AB24}">
+                <p16:designElem xmlns:p16="http://schemas.microsoft.com/office/powerpoint/2015/main" val="1"/>
+              </p:ext>
+            </p:extLst>
+          </p:nvPr>
+        </p:nvSpPr>
+        <p:spPr>
+          <a:xfrm>
+            <a:off x="0" y="0"/>
+            <a:ext cx="12192000" cy="6858000"/>
+          </a:xfrm>
+          <a:prstGeom prst="rect">
+            <a:avLst/>
+          </a:prstGeom>
+          <a:ln>
+            <a:noFill/>
+          </a:ln>
+        </p:spPr>
+        <p:style>
+          <a:lnRef idx="2">
+            <a:schemeClr val="accent1">
+              <a:shade val="50000"/>
+            </a:schemeClr>
+          </a:lnRef>
+          <a:fillRef idx="1">
+            <a:schemeClr val="accent1"/>
+          </a:fillRef>
+          <a:effectRef idx="0">
+            <a:schemeClr val="accent1"/>
+          </a:effectRef>
+          <a:fontRef idx="minor">
+            <a:schemeClr val="lt1"/>
+          </a:fontRef>
+        </p:style>
+        <p:txBody>
+          <a:bodyPr rtlCol="0" anchor="ctr"/>
+          <a:lstStyle/>
+          <a:p>
+            <a:pPr algn="ctr" rtl="0"/>
+            <a:endParaRPr lang="zh-CN" altLang="en-US" dirty="0">
+              <a:latin typeface="Microsoft YaHei UI" panose="020B0503020204020204" pitchFamily="34" charset="-122"/>
+            </a:endParaRPr>
+          </a:p>
+        </p:txBody>
+      </p:sp>
+      <p:sp>
+        <p:nvSpPr>
+          <p:cNvPr id="15" name="矩形​​ 14">
+            <a:extLst>
+              <a:ext uri="{FF2B5EF4-FFF2-40B4-BE49-F238E27FC236}">
+                <a16:creationId xmlns:a16="http://schemas.microsoft.com/office/drawing/2014/main" id="{C1492CA2-7E37-4577-8E02-1E79AE7EED79}"/>
+              </a:ext>
+              <a:ext uri="{C183D7F6-B498-43B3-948B-1728B52AA6E4}">
+                <adec:decorative xmlns:adec="http://schemas.microsoft.com/office/drawing/2017/decorative" xmlns="" val="1"/>
+              </a:ext>
+            </a:extLst>
+          </p:cNvPr>
+          <p:cNvSpPr>
+            <a:spLocks noGrp="1" noRot="1" noChangeAspect="1" noMove="1" noResize="1" noEditPoints="1" noAdjustHandles="1" noChangeArrowheads="1" noChangeShapeType="1" noTextEdit="1"/>
+          </p:cNvSpPr>
+          <p:nvPr>
+            <p:extLst>
+              <p:ext uri="{386F3935-93C4-4BCD-93E2-E3B085C9AB24}">
+                <p16:designElem xmlns:p16="http://schemas.microsoft.com/office/powerpoint/2015/main" val="1"/>
+              </p:ext>
+            </p:extLst>
+          </p:nvPr>
+        </p:nvSpPr>
+        <p:spPr>
+          <a:xfrm>
+            <a:off x="8642856" y="757325"/>
+            <a:ext cx="3549144" cy="5329325"/>
+          </a:xfrm>
+          <a:prstGeom prst="rect">
+            <a:avLst/>
+          </a:prstGeom>
+          <a:solidFill>
+            <a:schemeClr val="accent1"/>
+          </a:solidFill>
+          <a:ln>
+            <a:noFill/>
+          </a:ln>
+        </p:spPr>
+        <p:style>
+          <a:lnRef idx="2">
+            <a:schemeClr val="accent1">
+              <a:shade val="50000"/>
+            </a:schemeClr>
+          </a:lnRef>
+          <a:fillRef idx="1">
+            <a:schemeClr val="accent1"/>
+          </a:fillRef>
+          <a:effectRef idx="0">
+            <a:schemeClr val="accent1"/>
+          </a:effectRef>
+          <a:fontRef idx="minor">
+            <a:schemeClr val="lt1"/>
+          </a:fontRef>
+        </p:style>
+        <p:txBody>
+          <a:bodyPr rtlCol="0" anchor="ctr"/>
+          <a:lstStyle/>
+          <a:p>
+            <a:pPr algn="ctr" rtl="0"/>
+            <a:endParaRPr lang="zh-CN" altLang="en-US" dirty="0">
+              <a:latin typeface="Microsoft YaHei UI" panose="020B0503020204020204" pitchFamily="34" charset="-122"/>
+            </a:endParaRPr>
+          </a:p>
+        </p:txBody>
+      </p:sp>
+      <p:sp>
+        <p:nvSpPr>
+          <p:cNvPr id="2" name="标题 1">
+            <a:extLst>
+              <a:ext uri="{FF2B5EF4-FFF2-40B4-BE49-F238E27FC236}">
+                <a16:creationId xmlns:a16="http://schemas.microsoft.com/office/drawing/2014/main" id="{72110722-2775-4A70-8182-7C215D42C9B2}"/>
+              </a:ext>
+            </a:extLst>
+          </p:cNvPr>
+          <p:cNvSpPr>
+            <a:spLocks noGrp="1"/>
+          </p:cNvSpPr>
+          <p:nvPr>
+            <p:ph type="title"/>
+          </p:nvPr>
+        </p:nvSpPr>
+        <p:spPr>
+          <a:xfrm>
+            <a:off x="8895775" y="1123837"/>
+            <a:ext cx="2947482" cy="4601183"/>
+          </a:xfrm>
+        </p:spPr>
+        <p:txBody>
+          <a:bodyPr rtlCol="0">
+            <a:normAutofit/>
+          </a:bodyPr>
+          <a:lstStyle/>
+          <a:p>
+            <a:pPr rtl="0"/>
+            <a:r>
+              <a:rPr lang="zh-CN" altLang="en-US" dirty="0" smtClean="0"/>
+              <a:t>数据图表展示</a:t>
+            </a:r>
+            <a:endParaRPr lang="zh-CN" altLang="en-US" dirty="0"/>
+          </a:p>
+        </p:txBody>
+      </p:sp>
+      <p:sp>
+        <p:nvSpPr>
+          <p:cNvPr id="17" name="矩形​​ 16">
+            <a:extLst>
+              <a:ext uri="{FF2B5EF4-FFF2-40B4-BE49-F238E27FC236}">
+                <a16:creationId xmlns:a16="http://schemas.microsoft.com/office/drawing/2014/main" id="{87ACB9FA-C8E8-43F1-868B-D328ECFC31EC}"/>
+              </a:ext>
+              <a:ext uri="{C183D7F6-B498-43B3-948B-1728B52AA6E4}">
+                <adec:decorative xmlns:adec="http://schemas.microsoft.com/office/drawing/2017/decorative" xmlns="" val="1"/>
+              </a:ext>
+            </a:extLst>
+          </p:cNvPr>
+          <p:cNvSpPr>
+            <a:spLocks noGrp="1" noRot="1" noChangeAspect="1" noMove="1" noResize="1" noEditPoints="1" noAdjustHandles="1" noChangeArrowheads="1" noChangeShapeType="1" noTextEdit="1"/>
+          </p:cNvSpPr>
+          <p:nvPr>
+            <p:extLst>
+              <p:ext uri="{386F3935-93C4-4BCD-93E2-E3B085C9AB24}">
+                <p16:designElem xmlns:p16="http://schemas.microsoft.com/office/powerpoint/2015/main" val="1"/>
+              </p:ext>
+            </p:extLst>
+          </p:nvPr>
+        </p:nvSpPr>
+        <p:spPr>
+          <a:xfrm>
+            <a:off x="0" y="758952"/>
+            <a:ext cx="384048" cy="5330952"/>
+          </a:xfrm>
+          <a:prstGeom prst="rect">
+            <a:avLst/>
+          </a:prstGeom>
+          <a:solidFill>
+            <a:srgbClr val="C8C8C8">
+              <a:alpha val="49804"/>
+            </a:srgbClr>
+          </a:solidFill>
+          <a:ln>
+            <a:noFill/>
+          </a:ln>
+        </p:spPr>
+        <p:style>
+          <a:lnRef idx="2">
+            <a:schemeClr val="accent1">
+              <a:shade val="50000"/>
+            </a:schemeClr>
+          </a:lnRef>
+          <a:fillRef idx="1">
+            <a:schemeClr val="accent1"/>
+          </a:fillRef>
+          <a:effectRef idx="0">
+            <a:schemeClr val="accent1"/>
+          </a:effectRef>
+          <a:fontRef idx="minor">
+            <a:schemeClr val="lt1"/>
+          </a:fontRef>
+        </p:style>
+      </p:sp>
+      <p:pic>
+        <p:nvPicPr>
+          <p:cNvPr id="7" name="内容占位符 6"/>
+          <p:cNvPicPr>
+            <a:picLocks noGrp="1" noChangeAspect="1"/>
+          </p:cNvPicPr>
+          <p:nvPr>
+            <p:ph idx="1"/>
+          </p:nvPr>
+        </p:nvPicPr>
+        <p:blipFill>
+          <a:blip r:embed="rId3">
+            <a:extLst>
+              <a:ext uri="{28A0092B-C50C-407E-A947-70E740481C1C}">
+                <a14:useLocalDpi xmlns:a14="http://schemas.microsoft.com/office/drawing/2010/main" val="0"/>
+              </a:ext>
+            </a:extLst>
+          </a:blip>
+          <a:stretch>
+            <a:fillRect/>
+          </a:stretch>
+        </p:blipFill>
+        <p:spPr>
+          <a:xfrm>
+            <a:off x="975162" y="1123837"/>
+            <a:ext cx="7444220" cy="4962813"/>
+          </a:xfrm>
+        </p:spPr>
+      </p:pic>
+    </p:spTree>
+    <p:extLst>
+      <p:ext uri="{BB962C8B-B14F-4D97-AF65-F5344CB8AC3E}">
+        <p14:creationId xmlns:p14="http://schemas.microsoft.com/office/powerpoint/2010/main" val="2552862203"/>
+      </p:ext>
+    </p:extLst>
+  </p:cSld>
+  <p:clrMapOvr>
+    <a:masterClrMapping/>
+  </p:clrMapOvr>
+  <p:timing>
+    <p:tnLst>
+      <p:par>
+        <p:cTn id="1" dur="indefinite" restart="never" nodeType="tmRoot"/>
+      </p:par>
+    </p:tnLst>
+  </p:timing>
+</p:sld>
+</file>
+
 <file path=ppt/slides/slide7.xml><?xml version="1.0" encoding="utf-8"?>
 <p:sld xmlns:a="http://schemas.openxmlformats.org/drawingml/2006/main" xmlns:r="http://schemas.openxmlformats.org/officeDocument/2006/relationships" xmlns:p="http://schemas.openxmlformats.org/presentationml/2006/main">
   <p:cSld>
@@ -9472,7 +9472,7 @@
                 <a16:creationId xmlns:a16="http://schemas.microsoft.com/office/drawing/2014/main" id="{474A7FC5-56F0-4FE3-8383-04EE92963F2A}"/>
               </a:ext>
               <a:ext uri="{C183D7F6-B498-43B3-948B-1728B52AA6E4}">
-                <adec:decorative xmlns="" xmlns:adec="http://schemas.microsoft.com/office/drawing/2017/decorative" val="1"/>
+                <adec:decorative xmlns:adec="http://schemas.microsoft.com/office/drawing/2017/decorative" xmlns="" val="1"/>
               </a:ext>
             </a:extLst>
           </p:cNvPr>
@@ -9570,7 +9570,7 @@
                 <a16:creationId xmlns:a16="http://schemas.microsoft.com/office/drawing/2014/main" id="{DE6BEBC3-6A99-4A53-9835-9875E08415A6}"/>
               </a:ext>
               <a:ext uri="{C183D7F6-B498-43B3-948B-1728B52AA6E4}">
-                <adec:decorative xmlns="" xmlns:adec="http://schemas.microsoft.com/office/drawing/2017/decorative" val="1"/>
+                <adec:decorative xmlns:adec="http://schemas.microsoft.com/office/drawing/2017/decorative" xmlns="" val="1"/>
               </a:ext>
             </a:extLst>
           </p:cNvPr>
@@ -9700,7 +9700,7 @@
                 <a16:creationId xmlns:a16="http://schemas.microsoft.com/office/drawing/2014/main" id="{D1006911-EDB8-4CDF-AEAA-A3FA060851F3}"/>
               </a:ext>
               <a:ext uri="{C183D7F6-B498-43B3-948B-1728B52AA6E4}">
-                <adec:decorative xmlns="" xmlns:adec="http://schemas.microsoft.com/office/drawing/2017/decorative" val="1"/>
+                <adec:decorative xmlns:adec="http://schemas.microsoft.com/office/drawing/2017/decorative" xmlns="" val="1"/>
               </a:ext>
             </a:extLst>
           </p:cNvPr>
@@ -10523,23 +10523,6 @@
 </file>
 
 <file path=customXml/item1.xml><?xml version="1.0" encoding="utf-8"?>
-<p:properties xmlns:p="http://schemas.microsoft.com/office/2006/metadata/properties" xmlns:xsi="http://www.w3.org/2001/XMLSchema-instance" xmlns:pc="http://schemas.microsoft.com/office/infopath/2007/PartnerControls">
-  <documentManagement>
-    <MediaServiceKeyPoints xmlns="71af3243-3dd4-4a8d-8c0d-dd76da1f02a5" xsi:nil="true"/>
-  </documentManagement>
-</p:properties>
-</file>
-
-<file path=customXml/item2.xml><?xml version="1.0" encoding="utf-8"?>
-<?mso-contentType ?>
-<FormTemplates xmlns="http://schemas.microsoft.com/sharepoint/v3/contenttype/forms">
-  <Display>DocumentLibraryForm</Display>
-  <Edit>DocumentLibraryForm</Edit>
-  <New>DocumentLibraryForm</New>
-</FormTemplates>
-</file>
-
-<file path=customXml/item3.xml><?xml version="1.0" encoding="utf-8"?>
 <ct:contentTypeSchema xmlns:ct="http://schemas.microsoft.com/office/2006/metadata/contentType" xmlns:ma="http://schemas.microsoft.com/office/2006/metadata/properties/metaAttributes" ct:_="" ma:_="" ma:contentTypeName="Document" ma:contentTypeID="0x01010079F111ED35F8CC479449609E8A0923A6" ma:contentTypeVersion="11" ma:contentTypeDescription="Create a new document." ma:contentTypeScope="" ma:versionID="1c2eb7a32e66fb6e4260f3771546a5e2">
   <xsd:schema xmlns:xsd="http://www.w3.org/2001/XMLSchema" xmlns:xs="http://www.w3.org/2001/XMLSchema" xmlns:p="http://schemas.microsoft.com/office/2006/metadata/properties" xmlns:ns2="71af3243-3dd4-4a8d-8c0d-dd76da1f02a5" xmlns:ns3="16c05727-aa75-4e4a-9b5f-8a80a1165891" targetNamespace="http://schemas.microsoft.com/office/2006/metadata/properties" ma:root="true" ma:fieldsID="04e1f6479c48b08974ba73b5ca973489" ns2:_="" ns3:_="">
     <xsd:import namespace="71af3243-3dd4-4a8d-8c0d-dd76da1f02a5"/>
@@ -10750,32 +10733,24 @@
 </ct:contentTypeSchema>
 </file>
 
-<file path=customXml/itemProps1.xml><?xml version="1.0" encoding="utf-8"?>
-<ds:datastoreItem xmlns:ds="http://schemas.openxmlformats.org/officeDocument/2006/customXml" ds:itemID="{30541854-87B3-4953-A183-EF3BD285377B}">
-  <ds:schemaRefs>
-    <ds:schemaRef ds:uri="http://purl.org/dc/elements/1.1/"/>
-    <ds:schemaRef ds:uri="http://purl.org/dc/terms/"/>
-    <ds:schemaRef ds:uri="http://www.w3.org/XML/1998/namespace"/>
-    <ds:schemaRef ds:uri="16c05727-aa75-4e4a-9b5f-8a80a1165891"/>
-    <ds:schemaRef ds:uri="71af3243-3dd4-4a8d-8c0d-dd76da1f02a5"/>
-    <ds:schemaRef ds:uri="http://schemas.microsoft.com/office/2006/documentManagement/types"/>
-    <ds:schemaRef ds:uri="http://schemas.microsoft.com/office/infopath/2007/PartnerControls"/>
-    <ds:schemaRef ds:uri="http://schemas.openxmlformats.org/package/2006/metadata/core-properties"/>
-    <ds:schemaRef ds:uri="http://schemas.microsoft.com/office/2006/metadata/properties"/>
-    <ds:schemaRef ds:uri="http://purl.org/dc/dcmitype/"/>
-  </ds:schemaRefs>
-</ds:datastoreItem>
+<file path=customXml/item2.xml><?xml version="1.0" encoding="utf-8"?>
+<?mso-contentType ?>
+<FormTemplates xmlns="http://schemas.microsoft.com/sharepoint/v3/contenttype/forms">
+  <Display>DocumentLibraryForm</Display>
+  <Edit>DocumentLibraryForm</Edit>
+  <New>DocumentLibraryForm</New>
+</FormTemplates>
 </file>
 
-<file path=customXml/itemProps2.xml><?xml version="1.0" encoding="utf-8"?>
-<ds:datastoreItem xmlns:ds="http://schemas.openxmlformats.org/officeDocument/2006/customXml" ds:itemID="{DFB9BFA2-1FA5-44A1-B975-10D6BF58ECD0}">
-  <ds:schemaRefs>
-    <ds:schemaRef ds:uri="http://schemas.microsoft.com/sharepoint/v3/contenttype/forms"/>
-  </ds:schemaRefs>
-</ds:datastoreItem>
+<file path=customXml/item3.xml><?xml version="1.0" encoding="utf-8"?>
+<p:properties xmlns:p="http://schemas.microsoft.com/office/2006/metadata/properties" xmlns:xsi="http://www.w3.org/2001/XMLSchema-instance" xmlns:pc="http://schemas.microsoft.com/office/infopath/2007/PartnerControls">
+  <documentManagement>
+    <MediaServiceKeyPoints xmlns="71af3243-3dd4-4a8d-8c0d-dd76da1f02a5" xsi:nil="true"/>
+  </documentManagement>
+</p:properties>
 </file>
 
-<file path=customXml/itemProps3.xml><?xml version="1.0" encoding="utf-8"?>
+<file path=customXml/itemProps1.xml><?xml version="1.0" encoding="utf-8"?>
 <ds:datastoreItem xmlns:ds="http://schemas.openxmlformats.org/officeDocument/2006/customXml" ds:itemID="{E577E783-5AB8-45E6-9E56-AE40075231B2}">
   <ds:schemaRefs>
     <ds:schemaRef ds:uri="http://schemas.microsoft.com/office/2006/metadata/contentType"/>
@@ -10792,4 +10767,29 @@
     <ds:schemaRef ds:uri="http://schemas.microsoft.com/internal/obd"/>
   </ds:schemaRefs>
 </ds:datastoreItem>
+</file>
+
+<file path=customXml/itemProps2.xml><?xml version="1.0" encoding="utf-8"?>
+<ds:datastoreItem xmlns:ds="http://schemas.openxmlformats.org/officeDocument/2006/customXml" ds:itemID="{DFB9BFA2-1FA5-44A1-B975-10D6BF58ECD0}">
+  <ds:schemaRefs>
+    <ds:schemaRef ds:uri="http://schemas.microsoft.com/sharepoint/v3/contenttype/forms"/>
+  </ds:schemaRefs>
+</ds:datastoreItem>
+</file>
+
+<file path=customXml/itemProps3.xml><?xml version="1.0" encoding="utf-8"?>
+<ds:datastoreItem xmlns:ds="http://schemas.openxmlformats.org/officeDocument/2006/customXml" ds:itemID="{30541854-87B3-4953-A183-EF3BD285377B}">
+  <ds:schemaRefs>
+    <ds:schemaRef ds:uri="http://purl.org/dc/elements/1.1/"/>
+    <ds:schemaRef ds:uri="http://purl.org/dc/terms/"/>
+    <ds:schemaRef ds:uri="http://www.w3.org/XML/1998/namespace"/>
+    <ds:schemaRef ds:uri="16c05727-aa75-4e4a-9b5f-8a80a1165891"/>
+    <ds:schemaRef ds:uri="71af3243-3dd4-4a8d-8c0d-dd76da1f02a5"/>
+    <ds:schemaRef ds:uri="http://schemas.microsoft.com/office/2006/documentManagement/types"/>
+    <ds:schemaRef ds:uri="http://schemas.microsoft.com/office/infopath/2007/PartnerControls"/>
+    <ds:schemaRef ds:uri="http://schemas.openxmlformats.org/package/2006/metadata/core-properties"/>
+    <ds:schemaRef ds:uri="http://schemas.microsoft.com/office/2006/metadata/properties"/>
+    <ds:schemaRef ds:uri="http://purl.org/dc/dcmitype/"/>
+  </ds:schemaRefs>
+</ds:datastoreItem>
 </file>